--- a/Apresentação Git Hub.pptx
+++ b/Apresentação Git Hub.pptx
@@ -111,23 +111,23 @@
 <pc:chgInfo xmlns:a="http://schemas.openxmlformats.org/drawingml/2006/main" xmlns:r="http://schemas.openxmlformats.org/officeDocument/2006/relationships" xmlns:ac="http://schemas.microsoft.com/office/drawing/2013/main/command" xmlns:pc="http://schemas.microsoft.com/office/powerpoint/2013/main/command">
   <pc:docChgLst>
     <pc:chgData name="Gustavo Bretz" userId="2b61259bb6be0c51" providerId="LiveId" clId="{3258A9C7-29D7-4781-8704-9D981B2CF11E}"/>
-    <pc:docChg chg="addSld modSld">
-      <pc:chgData name="Gustavo Bretz" userId="2b61259bb6be0c51" providerId="LiveId" clId="{3258A9C7-29D7-4781-8704-9D981B2CF11E}" dt="2024-10-10T13:33:51.901" v="10" actId="20577"/>
+    <pc:docChg chg="custSel addSld modSld">
+      <pc:chgData name="Gustavo Bretz" userId="2b61259bb6be0c51" providerId="LiveId" clId="{3258A9C7-29D7-4781-8704-9D981B2CF11E}" dt="2024-10-10T13:50:44.716" v="20" actId="20577"/>
       <pc:docMkLst>
         <pc:docMk/>
       </pc:docMkLst>
       <pc:sldChg chg="modSp new mod">
-        <pc:chgData name="Gustavo Bretz" userId="2b61259bb6be0c51" providerId="LiveId" clId="{3258A9C7-29D7-4781-8704-9D981B2CF11E}" dt="2024-10-10T13:33:51.901" v="10" actId="20577"/>
+        <pc:chgData name="Gustavo Bretz" userId="2b61259bb6be0c51" providerId="LiveId" clId="{3258A9C7-29D7-4781-8704-9D981B2CF11E}" dt="2024-10-10T13:50:44.716" v="20" actId="20577"/>
         <pc:sldMkLst>
           <pc:docMk/>
-          <pc:sldMk cId="651127519" sldId="256"/>
+          <pc:sldMk cId="3329605075" sldId="256"/>
         </pc:sldMkLst>
         <pc:spChg chg="mod">
-          <ac:chgData name="Gustavo Bretz" userId="2b61259bb6be0c51" providerId="LiveId" clId="{3258A9C7-29D7-4781-8704-9D981B2CF11E}" dt="2024-10-10T13:33:51.901" v="10" actId="20577"/>
+          <ac:chgData name="Gustavo Bretz" userId="2b61259bb6be0c51" providerId="LiveId" clId="{3258A9C7-29D7-4781-8704-9D981B2CF11E}" dt="2024-10-10T13:50:44.716" v="20" actId="20577"/>
           <ac:spMkLst>
             <pc:docMk/>
-            <pc:sldMk cId="651127519" sldId="256"/>
-            <ac:spMk id="2" creationId="{38A9CACD-167C-FFC6-2CEC-28954996C0AB}"/>
+            <pc:sldMk cId="3329605075" sldId="256"/>
+            <ac:spMk id="2" creationId="{CBE23FA3-BCCD-19A5-DA41-1ED3B1BB4629}"/>
           </ac:spMkLst>
         </pc:spChg>
       </pc:sldChg>
@@ -158,7 +158,7 @@
           <p:cNvPr id="2" name="Título 1">
             <a:extLst>
               <a:ext uri="{FF2B5EF4-FFF2-40B4-BE49-F238E27FC236}">
-                <a16:creationId xmlns:a16="http://schemas.microsoft.com/office/drawing/2014/main" id="{EDA6E833-9D25-5269-C7F0-119BCDEC8D89}"/>
+                <a16:creationId xmlns:a16="http://schemas.microsoft.com/office/drawing/2014/main" id="{B8D3AFCF-3465-CB88-3E4D-A7E7DA434741}"/>
               </a:ext>
             </a:extLst>
           </p:cNvPr>
@@ -195,7 +195,7 @@
           <p:cNvPr id="3" name="Subtítulo 2">
             <a:extLst>
               <a:ext uri="{FF2B5EF4-FFF2-40B4-BE49-F238E27FC236}">
-                <a16:creationId xmlns:a16="http://schemas.microsoft.com/office/drawing/2014/main" id="{52EADBE9-DC9E-0088-1016-F1BE8E639286}"/>
+                <a16:creationId xmlns:a16="http://schemas.microsoft.com/office/drawing/2014/main" id="{197EE58F-0791-1324-8668-A5FACE95757E}"/>
               </a:ext>
             </a:extLst>
           </p:cNvPr>
@@ -265,7 +265,7 @@
           <p:cNvPr id="4" name="Espaço Reservado para Data 3">
             <a:extLst>
               <a:ext uri="{FF2B5EF4-FFF2-40B4-BE49-F238E27FC236}">
-                <a16:creationId xmlns:a16="http://schemas.microsoft.com/office/drawing/2014/main" id="{AE5225D3-D24A-A588-BCDE-674A58C3CC7B}"/>
+                <a16:creationId xmlns:a16="http://schemas.microsoft.com/office/drawing/2014/main" id="{0DA563EB-6C66-400B-4B95-5D98EF4BEE7F}"/>
               </a:ext>
             </a:extLst>
           </p:cNvPr>
@@ -281,7 +281,7 @@
           <a:bodyPr/>
           <a:lstStyle/>
           <a:p>
-            <a:fld id="{BB924407-BAE4-45EE-9398-BBE01C1BEA57}" type="datetimeFigureOut">
+            <a:fld id="{0419E7DE-C8D5-4966-B684-104DEDB2F512}" type="datetimeFigureOut">
               <a:rPr lang="pt-BR" smtClean="0"/>
               <a:t>10/10/2024</a:t>
             </a:fld>
@@ -294,7 +294,7 @@
           <p:cNvPr id="5" name="Espaço Reservado para Rodapé 4">
             <a:extLst>
               <a:ext uri="{FF2B5EF4-FFF2-40B4-BE49-F238E27FC236}">
-                <a16:creationId xmlns:a16="http://schemas.microsoft.com/office/drawing/2014/main" id="{8E4ECF8F-D7C6-26D5-C8F8-BC013D1559F2}"/>
+                <a16:creationId xmlns:a16="http://schemas.microsoft.com/office/drawing/2014/main" id="{450FD178-5762-D5C4-398F-036122E7E43C}"/>
               </a:ext>
             </a:extLst>
           </p:cNvPr>
@@ -319,7 +319,7 @@
           <p:cNvPr id="6" name="Espaço Reservado para Número de Slide 5">
             <a:extLst>
               <a:ext uri="{FF2B5EF4-FFF2-40B4-BE49-F238E27FC236}">
-                <a16:creationId xmlns:a16="http://schemas.microsoft.com/office/drawing/2014/main" id="{F79E7DC1-D52F-3C3E-F8D0-E43BE098B047}"/>
+                <a16:creationId xmlns:a16="http://schemas.microsoft.com/office/drawing/2014/main" id="{B5E573C0-B5A3-DBA0-85B6-43CB48F38D5C}"/>
               </a:ext>
             </a:extLst>
           </p:cNvPr>
@@ -335,7 +335,7 @@
           <a:bodyPr/>
           <a:lstStyle/>
           <a:p>
-            <a:fld id="{3DA17820-77F6-49DD-AB7E-8C8AA8F760FE}" type="slidenum">
+            <a:fld id="{3AF966C5-B301-4C03-A436-2CA50246F100}" type="slidenum">
               <a:rPr lang="pt-BR" smtClean="0"/>
               <a:t>‹nº›</a:t>
             </a:fld>
@@ -346,7 +346,7 @@
     </p:spTree>
     <p:extLst>
       <p:ext uri="{BB962C8B-B14F-4D97-AF65-F5344CB8AC3E}">
-        <p14:creationId xmlns:p14="http://schemas.microsoft.com/office/powerpoint/2010/main" val="4057146219"/>
+        <p14:creationId xmlns:p14="http://schemas.microsoft.com/office/powerpoint/2010/main" val="3855304223"/>
       </p:ext>
     </p:extLst>
   </p:cSld>
@@ -378,7 +378,7 @@
           <p:cNvPr id="2" name="Título 1">
             <a:extLst>
               <a:ext uri="{FF2B5EF4-FFF2-40B4-BE49-F238E27FC236}">
-                <a16:creationId xmlns:a16="http://schemas.microsoft.com/office/drawing/2014/main" id="{D44ABFD6-4B9F-4418-0CCC-F64EF9F3E443}"/>
+                <a16:creationId xmlns:a16="http://schemas.microsoft.com/office/drawing/2014/main" id="{945C751A-5656-B75E-BE7E-5C71D6BEA2F2}"/>
               </a:ext>
             </a:extLst>
           </p:cNvPr>
@@ -406,7 +406,7 @@
           <p:cNvPr id="3" name="Espaço Reservado para Texto Vertical 2">
             <a:extLst>
               <a:ext uri="{FF2B5EF4-FFF2-40B4-BE49-F238E27FC236}">
-                <a16:creationId xmlns:a16="http://schemas.microsoft.com/office/drawing/2014/main" id="{ACBDB81E-5B12-9557-51F3-EDA24D6ACC49}"/>
+                <a16:creationId xmlns:a16="http://schemas.microsoft.com/office/drawing/2014/main" id="{99535993-446E-ADAD-234B-A71F96F00BAC}"/>
               </a:ext>
             </a:extLst>
           </p:cNvPr>
@@ -463,7 +463,7 @@
           <p:cNvPr id="4" name="Espaço Reservado para Data 3">
             <a:extLst>
               <a:ext uri="{FF2B5EF4-FFF2-40B4-BE49-F238E27FC236}">
-                <a16:creationId xmlns:a16="http://schemas.microsoft.com/office/drawing/2014/main" id="{5C692BDA-FDD4-E19B-B14F-AC672C5470D8}"/>
+                <a16:creationId xmlns:a16="http://schemas.microsoft.com/office/drawing/2014/main" id="{B7CCE671-7C0B-7ACE-1C2E-CA3CC45B88F5}"/>
               </a:ext>
             </a:extLst>
           </p:cNvPr>
@@ -479,7 +479,7 @@
           <a:bodyPr/>
           <a:lstStyle/>
           <a:p>
-            <a:fld id="{BB924407-BAE4-45EE-9398-BBE01C1BEA57}" type="datetimeFigureOut">
+            <a:fld id="{0419E7DE-C8D5-4966-B684-104DEDB2F512}" type="datetimeFigureOut">
               <a:rPr lang="pt-BR" smtClean="0"/>
               <a:t>10/10/2024</a:t>
             </a:fld>
@@ -492,7 +492,7 @@
           <p:cNvPr id="5" name="Espaço Reservado para Rodapé 4">
             <a:extLst>
               <a:ext uri="{FF2B5EF4-FFF2-40B4-BE49-F238E27FC236}">
-                <a16:creationId xmlns:a16="http://schemas.microsoft.com/office/drawing/2014/main" id="{3DF22EAE-84B1-FE70-7C09-FAC949BDC360}"/>
+                <a16:creationId xmlns:a16="http://schemas.microsoft.com/office/drawing/2014/main" id="{7718229A-8098-7F82-54F6-4D67B800B452}"/>
               </a:ext>
             </a:extLst>
           </p:cNvPr>
@@ -517,7 +517,7 @@
           <p:cNvPr id="6" name="Espaço Reservado para Número de Slide 5">
             <a:extLst>
               <a:ext uri="{FF2B5EF4-FFF2-40B4-BE49-F238E27FC236}">
-                <a16:creationId xmlns:a16="http://schemas.microsoft.com/office/drawing/2014/main" id="{2905881E-97A9-B76E-838D-43C20B30651B}"/>
+                <a16:creationId xmlns:a16="http://schemas.microsoft.com/office/drawing/2014/main" id="{32F4C37B-B975-D4B9-CD5F-6FFF79B24CF6}"/>
               </a:ext>
             </a:extLst>
           </p:cNvPr>
@@ -533,7 +533,7 @@
           <a:bodyPr/>
           <a:lstStyle/>
           <a:p>
-            <a:fld id="{3DA17820-77F6-49DD-AB7E-8C8AA8F760FE}" type="slidenum">
+            <a:fld id="{3AF966C5-B301-4C03-A436-2CA50246F100}" type="slidenum">
               <a:rPr lang="pt-BR" smtClean="0"/>
               <a:t>‹nº›</a:t>
             </a:fld>
@@ -544,7 +544,7 @@
     </p:spTree>
     <p:extLst>
       <p:ext uri="{BB962C8B-B14F-4D97-AF65-F5344CB8AC3E}">
-        <p14:creationId xmlns:p14="http://schemas.microsoft.com/office/powerpoint/2010/main" val="3006238724"/>
+        <p14:creationId xmlns:p14="http://schemas.microsoft.com/office/powerpoint/2010/main" val="4138945175"/>
       </p:ext>
     </p:extLst>
   </p:cSld>
@@ -576,7 +576,7 @@
           <p:cNvPr id="2" name="Título Vertical 1">
             <a:extLst>
               <a:ext uri="{FF2B5EF4-FFF2-40B4-BE49-F238E27FC236}">
-                <a16:creationId xmlns:a16="http://schemas.microsoft.com/office/drawing/2014/main" id="{FFD3ACF9-A914-C15F-7BFF-61B3E3120205}"/>
+                <a16:creationId xmlns:a16="http://schemas.microsoft.com/office/drawing/2014/main" id="{99B502C0-CD4E-E8E2-C041-86D235F9FD26}"/>
               </a:ext>
             </a:extLst>
           </p:cNvPr>
@@ -609,7 +609,7 @@
           <p:cNvPr id="3" name="Espaço Reservado para Texto Vertical 2">
             <a:extLst>
               <a:ext uri="{FF2B5EF4-FFF2-40B4-BE49-F238E27FC236}">
-                <a16:creationId xmlns:a16="http://schemas.microsoft.com/office/drawing/2014/main" id="{B7869024-547E-EA8D-A9B6-0DFB0F464B03}"/>
+                <a16:creationId xmlns:a16="http://schemas.microsoft.com/office/drawing/2014/main" id="{334C0DDD-05BF-2E85-112A-19FEDB0DA02E}"/>
               </a:ext>
             </a:extLst>
           </p:cNvPr>
@@ -671,7 +671,7 @@
           <p:cNvPr id="4" name="Espaço Reservado para Data 3">
             <a:extLst>
               <a:ext uri="{FF2B5EF4-FFF2-40B4-BE49-F238E27FC236}">
-                <a16:creationId xmlns:a16="http://schemas.microsoft.com/office/drawing/2014/main" id="{50CCB457-CFF3-A829-A66B-1F0292F0A99F}"/>
+                <a16:creationId xmlns:a16="http://schemas.microsoft.com/office/drawing/2014/main" id="{9D20406B-BB85-E849-2E9D-E1B0BA4D283A}"/>
               </a:ext>
             </a:extLst>
           </p:cNvPr>
@@ -687,7 +687,7 @@
           <a:bodyPr/>
           <a:lstStyle/>
           <a:p>
-            <a:fld id="{BB924407-BAE4-45EE-9398-BBE01C1BEA57}" type="datetimeFigureOut">
+            <a:fld id="{0419E7DE-C8D5-4966-B684-104DEDB2F512}" type="datetimeFigureOut">
               <a:rPr lang="pt-BR" smtClean="0"/>
               <a:t>10/10/2024</a:t>
             </a:fld>
@@ -700,7 +700,7 @@
           <p:cNvPr id="5" name="Espaço Reservado para Rodapé 4">
             <a:extLst>
               <a:ext uri="{FF2B5EF4-FFF2-40B4-BE49-F238E27FC236}">
-                <a16:creationId xmlns:a16="http://schemas.microsoft.com/office/drawing/2014/main" id="{4C49563A-D3FB-B545-BB62-829BF767C551}"/>
+                <a16:creationId xmlns:a16="http://schemas.microsoft.com/office/drawing/2014/main" id="{B61A1760-D2EF-1756-922C-5EAE2868C7BF}"/>
               </a:ext>
             </a:extLst>
           </p:cNvPr>
@@ -725,7 +725,7 @@
           <p:cNvPr id="6" name="Espaço Reservado para Número de Slide 5">
             <a:extLst>
               <a:ext uri="{FF2B5EF4-FFF2-40B4-BE49-F238E27FC236}">
-                <a16:creationId xmlns:a16="http://schemas.microsoft.com/office/drawing/2014/main" id="{0E26A71D-1D77-29B4-E424-5F9A10FE54E5}"/>
+                <a16:creationId xmlns:a16="http://schemas.microsoft.com/office/drawing/2014/main" id="{ED1397C8-2AAC-1E4D-8D0B-3CC6672598A8}"/>
               </a:ext>
             </a:extLst>
           </p:cNvPr>
@@ -741,7 +741,7 @@
           <a:bodyPr/>
           <a:lstStyle/>
           <a:p>
-            <a:fld id="{3DA17820-77F6-49DD-AB7E-8C8AA8F760FE}" type="slidenum">
+            <a:fld id="{3AF966C5-B301-4C03-A436-2CA50246F100}" type="slidenum">
               <a:rPr lang="pt-BR" smtClean="0"/>
               <a:t>‹nº›</a:t>
             </a:fld>
@@ -752,7 +752,7 @@
     </p:spTree>
     <p:extLst>
       <p:ext uri="{BB962C8B-B14F-4D97-AF65-F5344CB8AC3E}">
-        <p14:creationId xmlns:p14="http://schemas.microsoft.com/office/powerpoint/2010/main" val="2029099349"/>
+        <p14:creationId xmlns:p14="http://schemas.microsoft.com/office/powerpoint/2010/main" val="3912668960"/>
       </p:ext>
     </p:extLst>
   </p:cSld>
@@ -784,7 +784,7 @@
           <p:cNvPr id="2" name="Título 1">
             <a:extLst>
               <a:ext uri="{FF2B5EF4-FFF2-40B4-BE49-F238E27FC236}">
-                <a16:creationId xmlns:a16="http://schemas.microsoft.com/office/drawing/2014/main" id="{FD74E126-118A-7401-24FF-E3CC595ECE91}"/>
+                <a16:creationId xmlns:a16="http://schemas.microsoft.com/office/drawing/2014/main" id="{9E366845-CFC4-413C-CDBC-64CD9A99C097}"/>
               </a:ext>
             </a:extLst>
           </p:cNvPr>
@@ -812,7 +812,7 @@
           <p:cNvPr id="3" name="Espaço Reservado para Conteúdo 2">
             <a:extLst>
               <a:ext uri="{FF2B5EF4-FFF2-40B4-BE49-F238E27FC236}">
-                <a16:creationId xmlns:a16="http://schemas.microsoft.com/office/drawing/2014/main" id="{F47AB8A0-8576-79E1-6C27-427D91B9E640}"/>
+                <a16:creationId xmlns:a16="http://schemas.microsoft.com/office/drawing/2014/main" id="{F69788D0-BC86-E8AF-185B-FFDF29561EA7}"/>
               </a:ext>
             </a:extLst>
           </p:cNvPr>
@@ -869,7 +869,7 @@
           <p:cNvPr id="4" name="Espaço Reservado para Data 3">
             <a:extLst>
               <a:ext uri="{FF2B5EF4-FFF2-40B4-BE49-F238E27FC236}">
-                <a16:creationId xmlns:a16="http://schemas.microsoft.com/office/drawing/2014/main" id="{6D9E956C-DBD9-D1B3-F566-959F509D2E2E}"/>
+                <a16:creationId xmlns:a16="http://schemas.microsoft.com/office/drawing/2014/main" id="{B685D142-67DD-2333-0AB7-09E0DCF4CCD3}"/>
               </a:ext>
             </a:extLst>
           </p:cNvPr>
@@ -885,7 +885,7 @@
           <a:bodyPr/>
           <a:lstStyle/>
           <a:p>
-            <a:fld id="{BB924407-BAE4-45EE-9398-BBE01C1BEA57}" type="datetimeFigureOut">
+            <a:fld id="{0419E7DE-C8D5-4966-B684-104DEDB2F512}" type="datetimeFigureOut">
               <a:rPr lang="pt-BR" smtClean="0"/>
               <a:t>10/10/2024</a:t>
             </a:fld>
@@ -898,7 +898,7 @@
           <p:cNvPr id="5" name="Espaço Reservado para Rodapé 4">
             <a:extLst>
               <a:ext uri="{FF2B5EF4-FFF2-40B4-BE49-F238E27FC236}">
-                <a16:creationId xmlns:a16="http://schemas.microsoft.com/office/drawing/2014/main" id="{ED90E98B-973C-DAFD-8085-44EAF8067E53}"/>
+                <a16:creationId xmlns:a16="http://schemas.microsoft.com/office/drawing/2014/main" id="{775C6513-BB0B-01F9-1A61-DB75F28C0A2D}"/>
               </a:ext>
             </a:extLst>
           </p:cNvPr>
@@ -923,7 +923,7 @@
           <p:cNvPr id="6" name="Espaço Reservado para Número de Slide 5">
             <a:extLst>
               <a:ext uri="{FF2B5EF4-FFF2-40B4-BE49-F238E27FC236}">
-                <a16:creationId xmlns:a16="http://schemas.microsoft.com/office/drawing/2014/main" id="{A791B171-CB19-AC71-9B57-50C59DD449D4}"/>
+                <a16:creationId xmlns:a16="http://schemas.microsoft.com/office/drawing/2014/main" id="{EE854D8B-9F51-08C5-7FA2-D7792832B98A}"/>
               </a:ext>
             </a:extLst>
           </p:cNvPr>
@@ -939,7 +939,7 @@
           <a:bodyPr/>
           <a:lstStyle/>
           <a:p>
-            <a:fld id="{3DA17820-77F6-49DD-AB7E-8C8AA8F760FE}" type="slidenum">
+            <a:fld id="{3AF966C5-B301-4C03-A436-2CA50246F100}" type="slidenum">
               <a:rPr lang="pt-BR" smtClean="0"/>
               <a:t>‹nº›</a:t>
             </a:fld>
@@ -950,7 +950,7 @@
     </p:spTree>
     <p:extLst>
       <p:ext uri="{BB962C8B-B14F-4D97-AF65-F5344CB8AC3E}">
-        <p14:creationId xmlns:p14="http://schemas.microsoft.com/office/powerpoint/2010/main" val="483827487"/>
+        <p14:creationId xmlns:p14="http://schemas.microsoft.com/office/powerpoint/2010/main" val="1591966893"/>
       </p:ext>
     </p:extLst>
   </p:cSld>
@@ -982,7 +982,7 @@
           <p:cNvPr id="2" name="Título 1">
             <a:extLst>
               <a:ext uri="{FF2B5EF4-FFF2-40B4-BE49-F238E27FC236}">
-                <a16:creationId xmlns:a16="http://schemas.microsoft.com/office/drawing/2014/main" id="{F7D207D8-E1BB-43E0-A797-9A828AC104E4}"/>
+                <a16:creationId xmlns:a16="http://schemas.microsoft.com/office/drawing/2014/main" id="{E3FC1CE5-5FBB-E907-3B6C-AD43B5C6F908}"/>
               </a:ext>
             </a:extLst>
           </p:cNvPr>
@@ -1019,7 +1019,7 @@
           <p:cNvPr id="3" name="Espaço Reservado para Texto 2">
             <a:extLst>
               <a:ext uri="{FF2B5EF4-FFF2-40B4-BE49-F238E27FC236}">
-                <a16:creationId xmlns:a16="http://schemas.microsoft.com/office/drawing/2014/main" id="{62CAB4D9-7042-7DA1-7877-E8F9B6715C45}"/>
+                <a16:creationId xmlns:a16="http://schemas.microsoft.com/office/drawing/2014/main" id="{B80BCC32-F6A5-E00C-999E-98C1D6E5D10A}"/>
               </a:ext>
             </a:extLst>
           </p:cNvPr>
@@ -1144,7 +1144,7 @@
           <p:cNvPr id="4" name="Espaço Reservado para Data 3">
             <a:extLst>
               <a:ext uri="{FF2B5EF4-FFF2-40B4-BE49-F238E27FC236}">
-                <a16:creationId xmlns:a16="http://schemas.microsoft.com/office/drawing/2014/main" id="{02E16CB2-1BEC-496B-4084-EB6F685B913F}"/>
+                <a16:creationId xmlns:a16="http://schemas.microsoft.com/office/drawing/2014/main" id="{B0D278A0-80E2-6875-91C3-6AFC42ECE370}"/>
               </a:ext>
             </a:extLst>
           </p:cNvPr>
@@ -1160,7 +1160,7 @@
           <a:bodyPr/>
           <a:lstStyle/>
           <a:p>
-            <a:fld id="{BB924407-BAE4-45EE-9398-BBE01C1BEA57}" type="datetimeFigureOut">
+            <a:fld id="{0419E7DE-C8D5-4966-B684-104DEDB2F512}" type="datetimeFigureOut">
               <a:rPr lang="pt-BR" smtClean="0"/>
               <a:t>10/10/2024</a:t>
             </a:fld>
@@ -1173,7 +1173,7 @@
           <p:cNvPr id="5" name="Espaço Reservado para Rodapé 4">
             <a:extLst>
               <a:ext uri="{FF2B5EF4-FFF2-40B4-BE49-F238E27FC236}">
-                <a16:creationId xmlns:a16="http://schemas.microsoft.com/office/drawing/2014/main" id="{EBA1221E-AF4F-0076-71F8-26F590AC4D92}"/>
+                <a16:creationId xmlns:a16="http://schemas.microsoft.com/office/drawing/2014/main" id="{CA8221B9-D750-1322-FBB2-3D976C07DBC1}"/>
               </a:ext>
             </a:extLst>
           </p:cNvPr>
@@ -1198,7 +1198,7 @@
           <p:cNvPr id="6" name="Espaço Reservado para Número de Slide 5">
             <a:extLst>
               <a:ext uri="{FF2B5EF4-FFF2-40B4-BE49-F238E27FC236}">
-                <a16:creationId xmlns:a16="http://schemas.microsoft.com/office/drawing/2014/main" id="{9081D621-98B7-76A4-BDDE-FEDEE8254C5A}"/>
+                <a16:creationId xmlns:a16="http://schemas.microsoft.com/office/drawing/2014/main" id="{A5ECF161-0F82-9587-8F37-0D8E73E1218A}"/>
               </a:ext>
             </a:extLst>
           </p:cNvPr>
@@ -1214,7 +1214,7 @@
           <a:bodyPr/>
           <a:lstStyle/>
           <a:p>
-            <a:fld id="{3DA17820-77F6-49DD-AB7E-8C8AA8F760FE}" type="slidenum">
+            <a:fld id="{3AF966C5-B301-4C03-A436-2CA50246F100}" type="slidenum">
               <a:rPr lang="pt-BR" smtClean="0"/>
               <a:t>‹nº›</a:t>
             </a:fld>
@@ -1225,7 +1225,7 @@
     </p:spTree>
     <p:extLst>
       <p:ext uri="{BB962C8B-B14F-4D97-AF65-F5344CB8AC3E}">
-        <p14:creationId xmlns:p14="http://schemas.microsoft.com/office/powerpoint/2010/main" val="1373606000"/>
+        <p14:creationId xmlns:p14="http://schemas.microsoft.com/office/powerpoint/2010/main" val="3529461198"/>
       </p:ext>
     </p:extLst>
   </p:cSld>
@@ -1257,7 +1257,7 @@
           <p:cNvPr id="2" name="Título 1">
             <a:extLst>
               <a:ext uri="{FF2B5EF4-FFF2-40B4-BE49-F238E27FC236}">
-                <a16:creationId xmlns:a16="http://schemas.microsoft.com/office/drawing/2014/main" id="{C2EB4F20-156D-8CFF-800E-F4178084B372}"/>
+                <a16:creationId xmlns:a16="http://schemas.microsoft.com/office/drawing/2014/main" id="{DBB4D3B1-19B0-17F1-E00B-958EE2FDF852}"/>
               </a:ext>
             </a:extLst>
           </p:cNvPr>
@@ -1285,7 +1285,7 @@
           <p:cNvPr id="3" name="Espaço Reservado para Conteúdo 2">
             <a:extLst>
               <a:ext uri="{FF2B5EF4-FFF2-40B4-BE49-F238E27FC236}">
-                <a16:creationId xmlns:a16="http://schemas.microsoft.com/office/drawing/2014/main" id="{6E74544B-E7A6-9FC2-3398-0BDBCB6B756D}"/>
+                <a16:creationId xmlns:a16="http://schemas.microsoft.com/office/drawing/2014/main" id="{963BFB3F-8E81-FD14-596E-31CF616D4B39}"/>
               </a:ext>
             </a:extLst>
           </p:cNvPr>
@@ -1347,7 +1347,7 @@
           <p:cNvPr id="4" name="Espaço Reservado para Conteúdo 3">
             <a:extLst>
               <a:ext uri="{FF2B5EF4-FFF2-40B4-BE49-F238E27FC236}">
-                <a16:creationId xmlns:a16="http://schemas.microsoft.com/office/drawing/2014/main" id="{52A83388-2070-D7BC-E5E7-68A27D908CB0}"/>
+                <a16:creationId xmlns:a16="http://schemas.microsoft.com/office/drawing/2014/main" id="{A81A8B4B-74F4-1809-1A81-E34A5CE88A05}"/>
               </a:ext>
             </a:extLst>
           </p:cNvPr>
@@ -1409,7 +1409,7 @@
           <p:cNvPr id="5" name="Espaço Reservado para Data 4">
             <a:extLst>
               <a:ext uri="{FF2B5EF4-FFF2-40B4-BE49-F238E27FC236}">
-                <a16:creationId xmlns:a16="http://schemas.microsoft.com/office/drawing/2014/main" id="{F9788B78-67A5-35F5-E8F3-661F682AC014}"/>
+                <a16:creationId xmlns:a16="http://schemas.microsoft.com/office/drawing/2014/main" id="{E5645FED-5EC0-CEAB-C740-6FB0064F944F}"/>
               </a:ext>
             </a:extLst>
           </p:cNvPr>
@@ -1425,7 +1425,7 @@
           <a:bodyPr/>
           <a:lstStyle/>
           <a:p>
-            <a:fld id="{BB924407-BAE4-45EE-9398-BBE01C1BEA57}" type="datetimeFigureOut">
+            <a:fld id="{0419E7DE-C8D5-4966-B684-104DEDB2F512}" type="datetimeFigureOut">
               <a:rPr lang="pt-BR" smtClean="0"/>
               <a:t>10/10/2024</a:t>
             </a:fld>
@@ -1438,7 +1438,7 @@
           <p:cNvPr id="6" name="Espaço Reservado para Rodapé 5">
             <a:extLst>
               <a:ext uri="{FF2B5EF4-FFF2-40B4-BE49-F238E27FC236}">
-                <a16:creationId xmlns:a16="http://schemas.microsoft.com/office/drawing/2014/main" id="{78BAE194-07FF-0C84-955D-D615B2F78E3B}"/>
+                <a16:creationId xmlns:a16="http://schemas.microsoft.com/office/drawing/2014/main" id="{60BECBCB-563F-E2FA-43E3-7B0563E2496E}"/>
               </a:ext>
             </a:extLst>
           </p:cNvPr>
@@ -1463,7 +1463,7 @@
           <p:cNvPr id="7" name="Espaço Reservado para Número de Slide 6">
             <a:extLst>
               <a:ext uri="{FF2B5EF4-FFF2-40B4-BE49-F238E27FC236}">
-                <a16:creationId xmlns:a16="http://schemas.microsoft.com/office/drawing/2014/main" id="{5F259A3A-284A-E712-2314-A45A7C029A96}"/>
+                <a16:creationId xmlns:a16="http://schemas.microsoft.com/office/drawing/2014/main" id="{7FE2A293-53F8-23B0-4EED-D9C813989DD0}"/>
               </a:ext>
             </a:extLst>
           </p:cNvPr>
@@ -1479,7 +1479,7 @@
           <a:bodyPr/>
           <a:lstStyle/>
           <a:p>
-            <a:fld id="{3DA17820-77F6-49DD-AB7E-8C8AA8F760FE}" type="slidenum">
+            <a:fld id="{3AF966C5-B301-4C03-A436-2CA50246F100}" type="slidenum">
               <a:rPr lang="pt-BR" smtClean="0"/>
               <a:t>‹nº›</a:t>
             </a:fld>
@@ -1490,7 +1490,7 @@
     </p:spTree>
     <p:extLst>
       <p:ext uri="{BB962C8B-B14F-4D97-AF65-F5344CB8AC3E}">
-        <p14:creationId xmlns:p14="http://schemas.microsoft.com/office/powerpoint/2010/main" val="2269234982"/>
+        <p14:creationId xmlns:p14="http://schemas.microsoft.com/office/powerpoint/2010/main" val="4170496408"/>
       </p:ext>
     </p:extLst>
   </p:cSld>
@@ -1522,7 +1522,7 @@
           <p:cNvPr id="2" name="Título 1">
             <a:extLst>
               <a:ext uri="{FF2B5EF4-FFF2-40B4-BE49-F238E27FC236}">
-                <a16:creationId xmlns:a16="http://schemas.microsoft.com/office/drawing/2014/main" id="{A19556F6-6CA9-0B73-D2E3-8A90E124486C}"/>
+                <a16:creationId xmlns:a16="http://schemas.microsoft.com/office/drawing/2014/main" id="{E791963B-9D75-BB5B-08A6-134F4A9538B3}"/>
               </a:ext>
             </a:extLst>
           </p:cNvPr>
@@ -1555,7 +1555,7 @@
           <p:cNvPr id="3" name="Espaço Reservado para Texto 2">
             <a:extLst>
               <a:ext uri="{FF2B5EF4-FFF2-40B4-BE49-F238E27FC236}">
-                <a16:creationId xmlns:a16="http://schemas.microsoft.com/office/drawing/2014/main" id="{BBBBDBC3-ECE1-4F10-418E-E5324BCF6C10}"/>
+                <a16:creationId xmlns:a16="http://schemas.microsoft.com/office/drawing/2014/main" id="{1941BBF3-F4A9-2335-3A22-7BE32BC0AB88}"/>
               </a:ext>
             </a:extLst>
           </p:cNvPr>
@@ -1626,7 +1626,7 @@
           <p:cNvPr id="4" name="Espaço Reservado para Conteúdo 3">
             <a:extLst>
               <a:ext uri="{FF2B5EF4-FFF2-40B4-BE49-F238E27FC236}">
-                <a16:creationId xmlns:a16="http://schemas.microsoft.com/office/drawing/2014/main" id="{12C0345D-686F-76E4-9573-0B7E41B3377F}"/>
+                <a16:creationId xmlns:a16="http://schemas.microsoft.com/office/drawing/2014/main" id="{9E257DF9-B790-6ED6-F08C-E9CA97C79BF2}"/>
               </a:ext>
             </a:extLst>
           </p:cNvPr>
@@ -1688,7 +1688,7 @@
           <p:cNvPr id="5" name="Espaço Reservado para Texto 4">
             <a:extLst>
               <a:ext uri="{FF2B5EF4-FFF2-40B4-BE49-F238E27FC236}">
-                <a16:creationId xmlns:a16="http://schemas.microsoft.com/office/drawing/2014/main" id="{536EA3B5-549E-5BA3-0BF5-4EE137F77CB9}"/>
+                <a16:creationId xmlns:a16="http://schemas.microsoft.com/office/drawing/2014/main" id="{4BA5A215-DB68-C5CE-FE2F-BBA4CB2C5364}"/>
               </a:ext>
             </a:extLst>
           </p:cNvPr>
@@ -1759,7 +1759,7 @@
           <p:cNvPr id="6" name="Espaço Reservado para Conteúdo 5">
             <a:extLst>
               <a:ext uri="{FF2B5EF4-FFF2-40B4-BE49-F238E27FC236}">
-                <a16:creationId xmlns:a16="http://schemas.microsoft.com/office/drawing/2014/main" id="{777CB48C-062B-7FFF-7C16-3D5B97A92F06}"/>
+                <a16:creationId xmlns:a16="http://schemas.microsoft.com/office/drawing/2014/main" id="{4CC0BC73-7CCF-488D-AE4F-0CCAF0A6502F}"/>
               </a:ext>
             </a:extLst>
           </p:cNvPr>
@@ -1821,7 +1821,7 @@
           <p:cNvPr id="7" name="Espaço Reservado para Data 6">
             <a:extLst>
               <a:ext uri="{FF2B5EF4-FFF2-40B4-BE49-F238E27FC236}">
-                <a16:creationId xmlns:a16="http://schemas.microsoft.com/office/drawing/2014/main" id="{651BA238-2603-1DB5-8E68-076D2612D829}"/>
+                <a16:creationId xmlns:a16="http://schemas.microsoft.com/office/drawing/2014/main" id="{58B93372-CC29-9763-44E6-D7EB36D04325}"/>
               </a:ext>
             </a:extLst>
           </p:cNvPr>
@@ -1837,7 +1837,7 @@
           <a:bodyPr/>
           <a:lstStyle/>
           <a:p>
-            <a:fld id="{BB924407-BAE4-45EE-9398-BBE01C1BEA57}" type="datetimeFigureOut">
+            <a:fld id="{0419E7DE-C8D5-4966-B684-104DEDB2F512}" type="datetimeFigureOut">
               <a:rPr lang="pt-BR" smtClean="0"/>
               <a:t>10/10/2024</a:t>
             </a:fld>
@@ -1850,7 +1850,7 @@
           <p:cNvPr id="8" name="Espaço Reservado para Rodapé 7">
             <a:extLst>
               <a:ext uri="{FF2B5EF4-FFF2-40B4-BE49-F238E27FC236}">
-                <a16:creationId xmlns:a16="http://schemas.microsoft.com/office/drawing/2014/main" id="{811D8ED5-016F-0AC5-86A4-F0BE6A67B1DE}"/>
+                <a16:creationId xmlns:a16="http://schemas.microsoft.com/office/drawing/2014/main" id="{F6D04D01-4A05-3F2F-4895-26921930E7FD}"/>
               </a:ext>
             </a:extLst>
           </p:cNvPr>
@@ -1875,7 +1875,7 @@
           <p:cNvPr id="9" name="Espaço Reservado para Número de Slide 8">
             <a:extLst>
               <a:ext uri="{FF2B5EF4-FFF2-40B4-BE49-F238E27FC236}">
-                <a16:creationId xmlns:a16="http://schemas.microsoft.com/office/drawing/2014/main" id="{AB8AFC20-6C26-CF40-9C94-6E503DAFD92D}"/>
+                <a16:creationId xmlns:a16="http://schemas.microsoft.com/office/drawing/2014/main" id="{76848DCA-2886-1A2D-8396-EC125EC8BB83}"/>
               </a:ext>
             </a:extLst>
           </p:cNvPr>
@@ -1891,7 +1891,7 @@
           <a:bodyPr/>
           <a:lstStyle/>
           <a:p>
-            <a:fld id="{3DA17820-77F6-49DD-AB7E-8C8AA8F760FE}" type="slidenum">
+            <a:fld id="{3AF966C5-B301-4C03-A436-2CA50246F100}" type="slidenum">
               <a:rPr lang="pt-BR" smtClean="0"/>
               <a:t>‹nº›</a:t>
             </a:fld>
@@ -1902,7 +1902,7 @@
     </p:spTree>
     <p:extLst>
       <p:ext uri="{BB962C8B-B14F-4D97-AF65-F5344CB8AC3E}">
-        <p14:creationId xmlns:p14="http://schemas.microsoft.com/office/powerpoint/2010/main" val="2318890726"/>
+        <p14:creationId xmlns:p14="http://schemas.microsoft.com/office/powerpoint/2010/main" val="2496193928"/>
       </p:ext>
     </p:extLst>
   </p:cSld>
@@ -1934,7 +1934,7 @@
           <p:cNvPr id="2" name="Título 1">
             <a:extLst>
               <a:ext uri="{FF2B5EF4-FFF2-40B4-BE49-F238E27FC236}">
-                <a16:creationId xmlns:a16="http://schemas.microsoft.com/office/drawing/2014/main" id="{9E4B877B-0388-8936-FB36-F12B968BDF36}"/>
+                <a16:creationId xmlns:a16="http://schemas.microsoft.com/office/drawing/2014/main" id="{73005B4D-5118-018D-6D89-58CD8FD989BA}"/>
               </a:ext>
             </a:extLst>
           </p:cNvPr>
@@ -1962,7 +1962,7 @@
           <p:cNvPr id="3" name="Espaço Reservado para Data 2">
             <a:extLst>
               <a:ext uri="{FF2B5EF4-FFF2-40B4-BE49-F238E27FC236}">
-                <a16:creationId xmlns:a16="http://schemas.microsoft.com/office/drawing/2014/main" id="{3E521172-CBD0-641C-6721-4D99C04DA5CD}"/>
+                <a16:creationId xmlns:a16="http://schemas.microsoft.com/office/drawing/2014/main" id="{348D106C-3E84-9895-EF5C-6BF991C6F408}"/>
               </a:ext>
             </a:extLst>
           </p:cNvPr>
@@ -1978,7 +1978,7 @@
           <a:bodyPr/>
           <a:lstStyle/>
           <a:p>
-            <a:fld id="{BB924407-BAE4-45EE-9398-BBE01C1BEA57}" type="datetimeFigureOut">
+            <a:fld id="{0419E7DE-C8D5-4966-B684-104DEDB2F512}" type="datetimeFigureOut">
               <a:rPr lang="pt-BR" smtClean="0"/>
               <a:t>10/10/2024</a:t>
             </a:fld>
@@ -1991,7 +1991,7 @@
           <p:cNvPr id="4" name="Espaço Reservado para Rodapé 3">
             <a:extLst>
               <a:ext uri="{FF2B5EF4-FFF2-40B4-BE49-F238E27FC236}">
-                <a16:creationId xmlns:a16="http://schemas.microsoft.com/office/drawing/2014/main" id="{B1F823BD-194A-71E6-3D15-EE49264534C2}"/>
+                <a16:creationId xmlns:a16="http://schemas.microsoft.com/office/drawing/2014/main" id="{E272B300-C295-918D-6EE8-606A13604F54}"/>
               </a:ext>
             </a:extLst>
           </p:cNvPr>
@@ -2016,7 +2016,7 @@
           <p:cNvPr id="5" name="Espaço Reservado para Número de Slide 4">
             <a:extLst>
               <a:ext uri="{FF2B5EF4-FFF2-40B4-BE49-F238E27FC236}">
-                <a16:creationId xmlns:a16="http://schemas.microsoft.com/office/drawing/2014/main" id="{BF27693B-DEF9-DA2C-0437-0DE7BBAB407F}"/>
+                <a16:creationId xmlns:a16="http://schemas.microsoft.com/office/drawing/2014/main" id="{91068522-DD99-1725-2A27-70B10E568AA9}"/>
               </a:ext>
             </a:extLst>
           </p:cNvPr>
@@ -2032,7 +2032,7 @@
           <a:bodyPr/>
           <a:lstStyle/>
           <a:p>
-            <a:fld id="{3DA17820-77F6-49DD-AB7E-8C8AA8F760FE}" type="slidenum">
+            <a:fld id="{3AF966C5-B301-4C03-A436-2CA50246F100}" type="slidenum">
               <a:rPr lang="pt-BR" smtClean="0"/>
               <a:t>‹nº›</a:t>
             </a:fld>
@@ -2043,7 +2043,7 @@
     </p:spTree>
     <p:extLst>
       <p:ext uri="{BB962C8B-B14F-4D97-AF65-F5344CB8AC3E}">
-        <p14:creationId xmlns:p14="http://schemas.microsoft.com/office/powerpoint/2010/main" val="229764326"/>
+        <p14:creationId xmlns:p14="http://schemas.microsoft.com/office/powerpoint/2010/main" val="1116280860"/>
       </p:ext>
     </p:extLst>
   </p:cSld>
@@ -2075,7 +2075,7 @@
           <p:cNvPr id="2" name="Espaço Reservado para Data 1">
             <a:extLst>
               <a:ext uri="{FF2B5EF4-FFF2-40B4-BE49-F238E27FC236}">
-                <a16:creationId xmlns:a16="http://schemas.microsoft.com/office/drawing/2014/main" id="{F09FC94A-0C8F-13F4-3FE7-78030E43E6DA}"/>
+                <a16:creationId xmlns:a16="http://schemas.microsoft.com/office/drawing/2014/main" id="{4DE315EB-585A-AD23-CF9A-F69213946A38}"/>
               </a:ext>
             </a:extLst>
           </p:cNvPr>
@@ -2091,7 +2091,7 @@
           <a:bodyPr/>
           <a:lstStyle/>
           <a:p>
-            <a:fld id="{BB924407-BAE4-45EE-9398-BBE01C1BEA57}" type="datetimeFigureOut">
+            <a:fld id="{0419E7DE-C8D5-4966-B684-104DEDB2F512}" type="datetimeFigureOut">
               <a:rPr lang="pt-BR" smtClean="0"/>
               <a:t>10/10/2024</a:t>
             </a:fld>
@@ -2104,7 +2104,7 @@
           <p:cNvPr id="3" name="Espaço Reservado para Rodapé 2">
             <a:extLst>
               <a:ext uri="{FF2B5EF4-FFF2-40B4-BE49-F238E27FC236}">
-                <a16:creationId xmlns:a16="http://schemas.microsoft.com/office/drawing/2014/main" id="{C3ECBA13-363A-A80E-EE4A-B8D8E0910E8C}"/>
+                <a16:creationId xmlns:a16="http://schemas.microsoft.com/office/drawing/2014/main" id="{2E3C68C5-5712-A496-49BA-048AA105AB4B}"/>
               </a:ext>
             </a:extLst>
           </p:cNvPr>
@@ -2129,7 +2129,7 @@
           <p:cNvPr id="4" name="Espaço Reservado para Número de Slide 3">
             <a:extLst>
               <a:ext uri="{FF2B5EF4-FFF2-40B4-BE49-F238E27FC236}">
-                <a16:creationId xmlns:a16="http://schemas.microsoft.com/office/drawing/2014/main" id="{89AF2645-E426-4F8E-1663-8EEA7EFFEF61}"/>
+                <a16:creationId xmlns:a16="http://schemas.microsoft.com/office/drawing/2014/main" id="{ED0B6E71-BD26-0156-5918-69473982061C}"/>
               </a:ext>
             </a:extLst>
           </p:cNvPr>
@@ -2145,7 +2145,7 @@
           <a:bodyPr/>
           <a:lstStyle/>
           <a:p>
-            <a:fld id="{3DA17820-77F6-49DD-AB7E-8C8AA8F760FE}" type="slidenum">
+            <a:fld id="{3AF966C5-B301-4C03-A436-2CA50246F100}" type="slidenum">
               <a:rPr lang="pt-BR" smtClean="0"/>
               <a:t>‹nº›</a:t>
             </a:fld>
@@ -2156,7 +2156,7 @@
     </p:spTree>
     <p:extLst>
       <p:ext uri="{BB962C8B-B14F-4D97-AF65-F5344CB8AC3E}">
-        <p14:creationId xmlns:p14="http://schemas.microsoft.com/office/powerpoint/2010/main" val="2045745167"/>
+        <p14:creationId xmlns:p14="http://schemas.microsoft.com/office/powerpoint/2010/main" val="669596996"/>
       </p:ext>
     </p:extLst>
   </p:cSld>
@@ -2188,7 +2188,7 @@
           <p:cNvPr id="2" name="Título 1">
             <a:extLst>
               <a:ext uri="{FF2B5EF4-FFF2-40B4-BE49-F238E27FC236}">
-                <a16:creationId xmlns:a16="http://schemas.microsoft.com/office/drawing/2014/main" id="{A5E83896-1C83-D497-10F8-01F89D033216}"/>
+                <a16:creationId xmlns:a16="http://schemas.microsoft.com/office/drawing/2014/main" id="{3C0CC3E3-7039-7370-AA36-E0BC4162A270}"/>
               </a:ext>
             </a:extLst>
           </p:cNvPr>
@@ -2225,7 +2225,7 @@
           <p:cNvPr id="3" name="Espaço Reservado para Conteúdo 2">
             <a:extLst>
               <a:ext uri="{FF2B5EF4-FFF2-40B4-BE49-F238E27FC236}">
-                <a16:creationId xmlns:a16="http://schemas.microsoft.com/office/drawing/2014/main" id="{1863C6C4-2AC5-ACD4-709F-E1A0FB2B277D}"/>
+                <a16:creationId xmlns:a16="http://schemas.microsoft.com/office/drawing/2014/main" id="{3C1BFF67-B793-2245-8AB2-535CD7B2ACF5}"/>
               </a:ext>
             </a:extLst>
           </p:cNvPr>
@@ -2315,7 +2315,7 @@
           <p:cNvPr id="4" name="Espaço Reservado para Texto 3">
             <a:extLst>
               <a:ext uri="{FF2B5EF4-FFF2-40B4-BE49-F238E27FC236}">
-                <a16:creationId xmlns:a16="http://schemas.microsoft.com/office/drawing/2014/main" id="{94E897ED-BB35-4D90-C3D7-8963781E8A16}"/>
+                <a16:creationId xmlns:a16="http://schemas.microsoft.com/office/drawing/2014/main" id="{000DC720-1B3F-76E0-0779-B96FDF91FBC9}"/>
               </a:ext>
             </a:extLst>
           </p:cNvPr>
@@ -2386,7 +2386,7 @@
           <p:cNvPr id="5" name="Espaço Reservado para Data 4">
             <a:extLst>
               <a:ext uri="{FF2B5EF4-FFF2-40B4-BE49-F238E27FC236}">
-                <a16:creationId xmlns:a16="http://schemas.microsoft.com/office/drawing/2014/main" id="{698DE1B9-A705-9DB8-9B7F-672D717885A3}"/>
+                <a16:creationId xmlns:a16="http://schemas.microsoft.com/office/drawing/2014/main" id="{D77B2425-1E4B-33B5-CB18-1C2D01676712}"/>
               </a:ext>
             </a:extLst>
           </p:cNvPr>
@@ -2402,7 +2402,7 @@
           <a:bodyPr/>
           <a:lstStyle/>
           <a:p>
-            <a:fld id="{BB924407-BAE4-45EE-9398-BBE01C1BEA57}" type="datetimeFigureOut">
+            <a:fld id="{0419E7DE-C8D5-4966-B684-104DEDB2F512}" type="datetimeFigureOut">
               <a:rPr lang="pt-BR" smtClean="0"/>
               <a:t>10/10/2024</a:t>
             </a:fld>
@@ -2415,7 +2415,7 @@
           <p:cNvPr id="6" name="Espaço Reservado para Rodapé 5">
             <a:extLst>
               <a:ext uri="{FF2B5EF4-FFF2-40B4-BE49-F238E27FC236}">
-                <a16:creationId xmlns:a16="http://schemas.microsoft.com/office/drawing/2014/main" id="{7C7C64CD-348B-DF2F-3FA0-2B152BAD4656}"/>
+                <a16:creationId xmlns:a16="http://schemas.microsoft.com/office/drawing/2014/main" id="{9707F1E7-751C-5A73-9E54-4B951F7047F7}"/>
               </a:ext>
             </a:extLst>
           </p:cNvPr>
@@ -2440,7 +2440,7 @@
           <p:cNvPr id="7" name="Espaço Reservado para Número de Slide 6">
             <a:extLst>
               <a:ext uri="{FF2B5EF4-FFF2-40B4-BE49-F238E27FC236}">
-                <a16:creationId xmlns:a16="http://schemas.microsoft.com/office/drawing/2014/main" id="{101C4266-50C6-7EB3-33FC-F6C54E0A5504}"/>
+                <a16:creationId xmlns:a16="http://schemas.microsoft.com/office/drawing/2014/main" id="{1382B89D-2AFE-7572-44FE-D4D4E0863045}"/>
               </a:ext>
             </a:extLst>
           </p:cNvPr>
@@ -2456,7 +2456,7 @@
           <a:bodyPr/>
           <a:lstStyle/>
           <a:p>
-            <a:fld id="{3DA17820-77F6-49DD-AB7E-8C8AA8F760FE}" type="slidenum">
+            <a:fld id="{3AF966C5-B301-4C03-A436-2CA50246F100}" type="slidenum">
               <a:rPr lang="pt-BR" smtClean="0"/>
               <a:t>‹nº›</a:t>
             </a:fld>
@@ -2467,7 +2467,7 @@
     </p:spTree>
     <p:extLst>
       <p:ext uri="{BB962C8B-B14F-4D97-AF65-F5344CB8AC3E}">
-        <p14:creationId xmlns:p14="http://schemas.microsoft.com/office/powerpoint/2010/main" val="2944101326"/>
+        <p14:creationId xmlns:p14="http://schemas.microsoft.com/office/powerpoint/2010/main" val="545754147"/>
       </p:ext>
     </p:extLst>
   </p:cSld>
@@ -2499,7 +2499,7 @@
           <p:cNvPr id="2" name="Título 1">
             <a:extLst>
               <a:ext uri="{FF2B5EF4-FFF2-40B4-BE49-F238E27FC236}">
-                <a16:creationId xmlns:a16="http://schemas.microsoft.com/office/drawing/2014/main" id="{A7469E66-14A0-2110-E982-5C8FBF4FF391}"/>
+                <a16:creationId xmlns:a16="http://schemas.microsoft.com/office/drawing/2014/main" id="{659FE502-671C-515F-75BC-D685AA9CEF20}"/>
               </a:ext>
             </a:extLst>
           </p:cNvPr>
@@ -2536,7 +2536,7 @@
           <p:cNvPr id="3" name="Espaço Reservado para Imagem 2">
             <a:extLst>
               <a:ext uri="{FF2B5EF4-FFF2-40B4-BE49-F238E27FC236}">
-                <a16:creationId xmlns:a16="http://schemas.microsoft.com/office/drawing/2014/main" id="{52AFABFE-9777-85B7-7A0F-C40A48568F08}"/>
+                <a16:creationId xmlns:a16="http://schemas.microsoft.com/office/drawing/2014/main" id="{FABE9B32-B3B7-4D0A-88B5-CB6611D90B12}"/>
               </a:ext>
             </a:extLst>
           </p:cNvPr>
@@ -2603,7 +2603,7 @@
           <p:cNvPr id="4" name="Espaço Reservado para Texto 3">
             <a:extLst>
               <a:ext uri="{FF2B5EF4-FFF2-40B4-BE49-F238E27FC236}">
-                <a16:creationId xmlns:a16="http://schemas.microsoft.com/office/drawing/2014/main" id="{ADDF830F-BF40-633D-B6C1-D57423C42805}"/>
+                <a16:creationId xmlns:a16="http://schemas.microsoft.com/office/drawing/2014/main" id="{8BC4F195-69B8-0A1A-D205-F27D99C7B14A}"/>
               </a:ext>
             </a:extLst>
           </p:cNvPr>
@@ -2674,7 +2674,7 @@
           <p:cNvPr id="5" name="Espaço Reservado para Data 4">
             <a:extLst>
               <a:ext uri="{FF2B5EF4-FFF2-40B4-BE49-F238E27FC236}">
-                <a16:creationId xmlns:a16="http://schemas.microsoft.com/office/drawing/2014/main" id="{ECCFD781-6A7B-0D23-E85A-DC894367E0E0}"/>
+                <a16:creationId xmlns:a16="http://schemas.microsoft.com/office/drawing/2014/main" id="{26C102F1-E4CC-B3BC-1F20-37B8356E0016}"/>
               </a:ext>
             </a:extLst>
           </p:cNvPr>
@@ -2690,7 +2690,7 @@
           <a:bodyPr/>
           <a:lstStyle/>
           <a:p>
-            <a:fld id="{BB924407-BAE4-45EE-9398-BBE01C1BEA57}" type="datetimeFigureOut">
+            <a:fld id="{0419E7DE-C8D5-4966-B684-104DEDB2F512}" type="datetimeFigureOut">
               <a:rPr lang="pt-BR" smtClean="0"/>
               <a:t>10/10/2024</a:t>
             </a:fld>
@@ -2703,7 +2703,7 @@
           <p:cNvPr id="6" name="Espaço Reservado para Rodapé 5">
             <a:extLst>
               <a:ext uri="{FF2B5EF4-FFF2-40B4-BE49-F238E27FC236}">
-                <a16:creationId xmlns:a16="http://schemas.microsoft.com/office/drawing/2014/main" id="{BADA3E47-72C5-03EB-3282-8063E746CDAB}"/>
+                <a16:creationId xmlns:a16="http://schemas.microsoft.com/office/drawing/2014/main" id="{CE2FC898-0245-F51B-BE9F-AC0587701AE2}"/>
               </a:ext>
             </a:extLst>
           </p:cNvPr>
@@ -2728,7 +2728,7 @@
           <p:cNvPr id="7" name="Espaço Reservado para Número de Slide 6">
             <a:extLst>
               <a:ext uri="{FF2B5EF4-FFF2-40B4-BE49-F238E27FC236}">
-                <a16:creationId xmlns:a16="http://schemas.microsoft.com/office/drawing/2014/main" id="{873C1D31-EA37-F272-6497-932BB32B4F27}"/>
+                <a16:creationId xmlns:a16="http://schemas.microsoft.com/office/drawing/2014/main" id="{68EF82D6-BED0-4194-C682-7D907824281A}"/>
               </a:ext>
             </a:extLst>
           </p:cNvPr>
@@ -2744,7 +2744,7 @@
           <a:bodyPr/>
           <a:lstStyle/>
           <a:p>
-            <a:fld id="{3DA17820-77F6-49DD-AB7E-8C8AA8F760FE}" type="slidenum">
+            <a:fld id="{3AF966C5-B301-4C03-A436-2CA50246F100}" type="slidenum">
               <a:rPr lang="pt-BR" smtClean="0"/>
               <a:t>‹nº›</a:t>
             </a:fld>
@@ -2755,7 +2755,7 @@
     </p:spTree>
     <p:extLst>
       <p:ext uri="{BB962C8B-B14F-4D97-AF65-F5344CB8AC3E}">
-        <p14:creationId xmlns:p14="http://schemas.microsoft.com/office/powerpoint/2010/main" val="3100194798"/>
+        <p14:creationId xmlns:p14="http://schemas.microsoft.com/office/powerpoint/2010/main" val="554444462"/>
       </p:ext>
     </p:extLst>
   </p:cSld>
@@ -2792,7 +2792,7 @@
           <p:cNvPr id="2" name="Espaço Reservado para Título 1">
             <a:extLst>
               <a:ext uri="{FF2B5EF4-FFF2-40B4-BE49-F238E27FC236}">
-                <a16:creationId xmlns:a16="http://schemas.microsoft.com/office/drawing/2014/main" id="{480919F4-72A2-740B-D706-6BC403C359D0}"/>
+                <a16:creationId xmlns:a16="http://schemas.microsoft.com/office/drawing/2014/main" id="{ED90DB2C-3F69-6B80-2470-0708654385C6}"/>
               </a:ext>
             </a:extLst>
           </p:cNvPr>
@@ -2830,7 +2830,7 @@
           <p:cNvPr id="3" name="Espaço Reservado para Texto 2">
             <a:extLst>
               <a:ext uri="{FF2B5EF4-FFF2-40B4-BE49-F238E27FC236}">
-                <a16:creationId xmlns:a16="http://schemas.microsoft.com/office/drawing/2014/main" id="{23884207-D1D3-64D2-0CD2-080AD8102CEB}"/>
+                <a16:creationId xmlns:a16="http://schemas.microsoft.com/office/drawing/2014/main" id="{D0EAB942-6827-06D0-A188-1D995CE5A42E}"/>
               </a:ext>
             </a:extLst>
           </p:cNvPr>
@@ -2897,7 +2897,7 @@
           <p:cNvPr id="4" name="Espaço Reservado para Data 3">
             <a:extLst>
               <a:ext uri="{FF2B5EF4-FFF2-40B4-BE49-F238E27FC236}">
-                <a16:creationId xmlns:a16="http://schemas.microsoft.com/office/drawing/2014/main" id="{83C93C0D-3C94-8506-9C96-245B9A2B1F9A}"/>
+                <a16:creationId xmlns:a16="http://schemas.microsoft.com/office/drawing/2014/main" id="{4B430AE8-7889-FFA7-577F-82A66B6B3950}"/>
               </a:ext>
             </a:extLst>
           </p:cNvPr>
@@ -2931,7 +2931,7 @@
             </a:lvl1pPr>
           </a:lstStyle>
           <a:p>
-            <a:fld id="{BB924407-BAE4-45EE-9398-BBE01C1BEA57}" type="datetimeFigureOut">
+            <a:fld id="{0419E7DE-C8D5-4966-B684-104DEDB2F512}" type="datetimeFigureOut">
               <a:rPr lang="pt-BR" smtClean="0"/>
               <a:t>10/10/2024</a:t>
             </a:fld>
@@ -2944,7 +2944,7 @@
           <p:cNvPr id="5" name="Espaço Reservado para Rodapé 4">
             <a:extLst>
               <a:ext uri="{FF2B5EF4-FFF2-40B4-BE49-F238E27FC236}">
-                <a16:creationId xmlns:a16="http://schemas.microsoft.com/office/drawing/2014/main" id="{923B8BB0-65CB-E020-36B8-1A1DABE1BCF7}"/>
+                <a16:creationId xmlns:a16="http://schemas.microsoft.com/office/drawing/2014/main" id="{171867C6-D469-E461-7CF7-A939F454E7F5}"/>
               </a:ext>
             </a:extLst>
           </p:cNvPr>
@@ -2987,7 +2987,7 @@
           <p:cNvPr id="6" name="Espaço Reservado para Número de Slide 5">
             <a:extLst>
               <a:ext uri="{FF2B5EF4-FFF2-40B4-BE49-F238E27FC236}">
-                <a16:creationId xmlns:a16="http://schemas.microsoft.com/office/drawing/2014/main" id="{AC1DB53A-30F7-CE22-8C61-96BCAB2E10BC}"/>
+                <a16:creationId xmlns:a16="http://schemas.microsoft.com/office/drawing/2014/main" id="{5214D873-5F37-9E3F-FE23-1D687A451E97}"/>
               </a:ext>
             </a:extLst>
           </p:cNvPr>
@@ -3021,7 +3021,7 @@
             </a:lvl1pPr>
           </a:lstStyle>
           <a:p>
-            <a:fld id="{3DA17820-77F6-49DD-AB7E-8C8AA8F760FE}" type="slidenum">
+            <a:fld id="{3AF966C5-B301-4C03-A436-2CA50246F100}" type="slidenum">
               <a:rPr lang="pt-BR" smtClean="0"/>
               <a:t>‹nº›</a:t>
             </a:fld>
@@ -3032,7 +3032,7 @@
     </p:spTree>
     <p:extLst>
       <p:ext uri="{BB962C8B-B14F-4D97-AF65-F5344CB8AC3E}">
-        <p14:creationId xmlns:p14="http://schemas.microsoft.com/office/powerpoint/2010/main" val="2044386431"/>
+        <p14:creationId xmlns:p14="http://schemas.microsoft.com/office/powerpoint/2010/main" val="720405878"/>
       </p:ext>
     </p:extLst>
   </p:cSld>
@@ -3355,7 +3355,7 @@
           <p:cNvPr id="2" name="Título 1">
             <a:extLst>
               <a:ext uri="{FF2B5EF4-FFF2-40B4-BE49-F238E27FC236}">
-                <a16:creationId xmlns:a16="http://schemas.microsoft.com/office/drawing/2014/main" id="{38A9CACD-167C-FFC6-2CEC-28954996C0AB}"/>
+                <a16:creationId xmlns:a16="http://schemas.microsoft.com/office/drawing/2014/main" id="{CBE23FA3-BCCD-19A5-DA41-1ED3B1BB4629}"/>
               </a:ext>
             </a:extLst>
           </p:cNvPr>
@@ -3373,7 +3373,7 @@
           <a:p>
             <a:r>
               <a:rPr lang="pt-BR"/>
-              <a:t>DASHBOARDS</a:t>
+              <a:t>Segunda alteração</a:t>
             </a:r>
           </a:p>
         </p:txBody>
@@ -3383,7 +3383,7 @@
           <p:cNvPr id="3" name="Subtítulo 2">
             <a:extLst>
               <a:ext uri="{FF2B5EF4-FFF2-40B4-BE49-F238E27FC236}">
-                <a16:creationId xmlns:a16="http://schemas.microsoft.com/office/drawing/2014/main" id="{91A0BACA-1266-1BD5-AF62-8FB5A30351F8}"/>
+                <a16:creationId xmlns:a16="http://schemas.microsoft.com/office/drawing/2014/main" id="{1998F5DB-FB0D-A723-DA56-89ED24FE0BBE}"/>
               </a:ext>
             </a:extLst>
           </p:cNvPr>
@@ -3406,7 +3406,7 @@
     </p:spTree>
     <p:extLst>
       <p:ext uri="{BB962C8B-B14F-4D97-AF65-F5344CB8AC3E}">
-        <p14:creationId xmlns:p14="http://schemas.microsoft.com/office/powerpoint/2010/main" val="651127519"/>
+        <p14:creationId xmlns:p14="http://schemas.microsoft.com/office/powerpoint/2010/main" val="3329605075"/>
       </p:ext>
     </p:extLst>
   </p:cSld>

--- a/Apresentação Git Hub.pptx
+++ b/Apresentação Git Hub.pptx
@@ -104,6 +104,11 @@
       </a:defRPr>
     </a:lvl9pPr>
   </p:defaultTextStyle>
+  <p:extLst>
+    <p:ext uri="{EFAFB233-063F-42B5-8137-9DF3F51BA10A}">
+      <p15:sldGuideLst xmlns:p15="http://schemas.microsoft.com/office/powerpoint/2012/main"/>
+    </p:ext>
+  </p:extLst>
 </p:presentation>
 </file>
 
@@ -3399,7 +3404,10 @@
           <a:bodyPr/>
           <a:lstStyle/>
           <a:p>
-            <a:endParaRPr lang="pt-BR"/>
+            <a:r>
+              <a:rPr lang="pt-BR" dirty="0"/>
+              <a:t>Alteração PM</a:t>
+            </a:r>
           </a:p>
         </p:txBody>
       </p:sp>

--- a/Apresentação Git Hub.pptx
+++ b/Apresentação Git Hub.pptx
@@ -6,6 +6,7 @@
   </p:sldMasterIdLst>
   <p:sldIdLst>
     <p:sldId id="256" r:id="rId2"/>
+    <p:sldId id="257" r:id="rId3"/>
   </p:sldIdLst>
   <p:sldSz cx="12192000" cy="6858000"/>
   <p:notesSz cx="6858000" cy="9144000"/>
@@ -3415,6 +3416,92 @@
     <p:extLst>
       <p:ext uri="{BB962C8B-B14F-4D97-AF65-F5344CB8AC3E}">
         <p14:creationId xmlns:p14="http://schemas.microsoft.com/office/powerpoint/2010/main" val="3329605075"/>
+      </p:ext>
+    </p:extLst>
+  </p:cSld>
+  <p:clrMapOvr>
+    <a:masterClrMapping/>
+  </p:clrMapOvr>
+</p:sld>
+</file>
+
+<file path=ppt/slides/slide2.xml><?xml version="1.0" encoding="utf-8"?>
+<p:sld xmlns:a="http://schemas.openxmlformats.org/drawingml/2006/main" xmlns:r="http://schemas.openxmlformats.org/officeDocument/2006/relationships" xmlns:p="http://schemas.openxmlformats.org/presentationml/2006/main">
+  <p:cSld>
+    <p:spTree>
+      <p:nvGrpSpPr>
+        <p:cNvPr id="1" name=""/>
+        <p:cNvGrpSpPr/>
+        <p:nvPr/>
+      </p:nvGrpSpPr>
+      <p:grpSpPr>
+        <a:xfrm>
+          <a:off x="0" y="0"/>
+          <a:ext cx="0" cy="0"/>
+          <a:chOff x="0" y="0"/>
+          <a:chExt cx="0" cy="0"/>
+        </a:xfrm>
+      </p:grpSpPr>
+      <p:sp>
+        <p:nvSpPr>
+          <p:cNvPr id="2" name="Título 1">
+            <a:extLst>
+              <a:ext uri="{FF2B5EF4-FFF2-40B4-BE49-F238E27FC236}">
+                <a16:creationId xmlns:a16="http://schemas.microsoft.com/office/drawing/2014/main" id="{CBE23FA3-BCCD-19A5-DA41-1ED3B1BB4629}"/>
+              </a:ext>
+            </a:extLst>
+          </p:cNvPr>
+          <p:cNvSpPr>
+            <a:spLocks noGrp="1"/>
+          </p:cNvSpPr>
+          <p:nvPr>
+            <p:ph type="ctrTitle"/>
+          </p:nvPr>
+        </p:nvSpPr>
+        <p:spPr/>
+        <p:txBody>
+          <a:bodyPr/>
+          <a:lstStyle/>
+          <a:p>
+            <a:r>
+              <a:rPr lang="pt-BR" dirty="0"/>
+              <a:t>Terceira alteração</a:t>
+            </a:r>
+          </a:p>
+        </p:txBody>
+      </p:sp>
+      <p:sp>
+        <p:nvSpPr>
+          <p:cNvPr id="3" name="Subtítulo 2">
+            <a:extLst>
+              <a:ext uri="{FF2B5EF4-FFF2-40B4-BE49-F238E27FC236}">
+                <a16:creationId xmlns:a16="http://schemas.microsoft.com/office/drawing/2014/main" id="{1998F5DB-FB0D-A723-DA56-89ED24FE0BBE}"/>
+              </a:ext>
+            </a:extLst>
+          </p:cNvPr>
+          <p:cNvSpPr>
+            <a:spLocks noGrp="1"/>
+          </p:cNvSpPr>
+          <p:nvPr>
+            <p:ph type="subTitle" idx="1"/>
+          </p:nvPr>
+        </p:nvSpPr>
+        <p:spPr/>
+        <p:txBody>
+          <a:bodyPr/>
+          <a:lstStyle/>
+          <a:p>
+            <a:r>
+              <a:rPr lang="pt-BR" dirty="0"/>
+              <a:t>Alteração PM</a:t>
+            </a:r>
+          </a:p>
+        </p:txBody>
+      </p:sp>
+    </p:spTree>
+    <p:extLst>
+      <p:ext uri="{BB962C8B-B14F-4D97-AF65-F5344CB8AC3E}">
+        <p14:creationId xmlns:p14="http://schemas.microsoft.com/office/powerpoint/2010/main" val="2516439029"/>
       </p:ext>
     </p:extLst>
   </p:cSld>
